--- a/Task 05/final presentation.pptx
+++ b/Task 05/final presentation.pptx
@@ -11877,8 +11877,8 @@
         </p:nvSpPr>
         <p:spPr>
           <a:xfrm rot="5400000">
-            <a:off x="3611698" y="2089061"/>
-            <a:ext cx="2112916" cy="1821480"/>
+            <a:off x="2724228" y="2361915"/>
+            <a:ext cx="1797639" cy="1614279"/>
           </a:xfrm>
           <a:prstGeom prst="hexagon">
             <a:avLst>
@@ -11938,8 +11938,8 @@
         </p:nvSpPr>
         <p:spPr>
           <a:xfrm rot="5400000">
-            <a:off x="883891" y="2089061"/>
-            <a:ext cx="2112916" cy="1821480"/>
+            <a:off x="306720" y="2361915"/>
+            <a:ext cx="1797639" cy="1614279"/>
           </a:xfrm>
           <a:prstGeom prst="hexagon">
             <a:avLst>
@@ -11999,8 +11999,8 @@
         </p:nvSpPr>
         <p:spPr>
           <a:xfrm rot="5400000">
-            <a:off x="1056211" y="2237616"/>
-            <a:ext cx="1768277" cy="1524374"/>
+            <a:off x="453327" y="2493571"/>
+            <a:ext cx="1504425" cy="1350970"/>
           </a:xfrm>
           <a:prstGeom prst="hexagon">
             <a:avLst>
@@ -12055,8 +12055,8 @@
         </p:nvSpPr>
         <p:spPr>
           <a:xfrm rot="5400000">
-            <a:off x="3784018" y="2237616"/>
-            <a:ext cx="1768277" cy="1524374"/>
+            <a:off x="2870835" y="2493571"/>
+            <a:ext cx="1504425" cy="1350970"/>
           </a:xfrm>
           <a:prstGeom prst="hexagon">
             <a:avLst>
@@ -12111,8 +12111,8 @@
         </p:nvSpPr>
         <p:spPr>
           <a:xfrm rot="5400000">
-            <a:off x="3402923" y="2851574"/>
-            <a:ext cx="1302537" cy="296449"/>
+            <a:off x="2524834" y="3037689"/>
+            <a:ext cx="1108180" cy="262727"/>
           </a:xfrm>
           <a:custGeom>
             <a:avLst/>
@@ -12200,8 +12200,8 @@
         </p:nvSpPr>
         <p:spPr>
           <a:xfrm rot="16200000" flipH="1">
-            <a:off x="4630850" y="2851574"/>
-            <a:ext cx="1302537" cy="296449"/>
+            <a:off x="3613079" y="3037689"/>
+            <a:ext cx="1108180" cy="262727"/>
           </a:xfrm>
           <a:custGeom>
             <a:avLst/>
@@ -12289,8 +12289,8 @@
         </p:nvSpPr>
         <p:spPr>
           <a:xfrm rot="5400000">
-            <a:off x="675116" y="2851574"/>
-            <a:ext cx="1302537" cy="296449"/>
+            <a:off x="107326" y="3037689"/>
+            <a:ext cx="1108180" cy="262727"/>
           </a:xfrm>
           <a:custGeom>
             <a:avLst/>
@@ -12378,8 +12378,8 @@
         </p:nvSpPr>
         <p:spPr>
           <a:xfrm rot="16200000" flipH="1">
-            <a:off x="1903043" y="2851574"/>
-            <a:ext cx="1302537" cy="296449"/>
+            <a:off x="1195571" y="3037689"/>
+            <a:ext cx="1108180" cy="262727"/>
           </a:xfrm>
           <a:custGeom>
             <a:avLst/>
@@ -12467,8 +12467,8 @@
         </p:nvGrpSpPr>
         <p:grpSpPr>
           <a:xfrm>
-            <a:off x="701053" y="4377162"/>
-            <a:ext cx="2478590" cy="562644"/>
+            <a:off x="107218" y="4340894"/>
+            <a:ext cx="2196641" cy="478690"/>
             <a:chOff x="8402844" y="5208392"/>
             <a:chExt cx="1732804" cy="562644"/>
           </a:xfrm>
@@ -12562,7 +12562,7 @@
                 <a:buNone/>
               </a:pPr>
               <a:r>
-                <a:rPr lang="en-US" sz="2000" b="1" i="0" u="none" strike="noStrike" cap="none" dirty="0">
+                <a:rPr lang="en-US" sz="1600" b="1" i="0" u="none" strike="noStrike" cap="none" dirty="0">
                   <a:solidFill>
                     <a:srgbClr val="FFFFFF"/>
                   </a:solidFill>
@@ -12573,7 +12573,7 @@
                 </a:rPr>
                 <a:t>INTRODUCTION</a:t>
               </a:r>
-              <a:endParaRPr sz="2000" b="1" i="0" u="none" strike="noStrike" cap="none" dirty="0">
+              <a:endParaRPr sz="1600" b="1" i="0" u="none" strike="noStrike" cap="none" dirty="0">
                 <a:solidFill>
                   <a:srgbClr val="FFFFFF"/>
                 </a:solidFill>
@@ -12594,8 +12594,8 @@
         </p:nvSpPr>
         <p:spPr>
           <a:xfrm>
-            <a:off x="3450724" y="4377161"/>
-            <a:ext cx="2478589" cy="400069"/>
+            <a:off x="2544103" y="4340893"/>
+            <a:ext cx="2196640" cy="338514"/>
           </a:xfrm>
           <a:prstGeom prst="rect">
             <a:avLst/>
@@ -12621,14 +12621,14 @@
               <a:buNone/>
             </a:pPr>
             <a:r>
-              <a:rPr lang="en-US" sz="2000" b="1" dirty="0">
+              <a:rPr lang="en-US" sz="1600" b="1" dirty="0">
                 <a:solidFill>
                   <a:schemeClr val="tx1"/>
                 </a:solidFill>
               </a:rPr>
               <a:t>DEMONSTRATION</a:t>
             </a:r>
-            <a:endParaRPr lang="en-US" sz="2000" b="1" i="0" u="none" strike="noStrike" cap="none" dirty="0">
+            <a:endParaRPr lang="en-US" sz="1600" b="1" i="0" u="none" strike="noStrike" cap="none" dirty="0">
               <a:solidFill>
                 <a:schemeClr val="tx1"/>
               </a:solidFill>
@@ -12654,8 +12654,8 @@
         </p:nvSpPr>
         <p:spPr>
           <a:xfrm rot="5400000">
-            <a:off x="9068931" y="2089061"/>
-            <a:ext cx="2112916" cy="1821480"/>
+            <a:off x="10010074" y="2346301"/>
+            <a:ext cx="1797639" cy="1614279"/>
           </a:xfrm>
           <a:prstGeom prst="hexagon">
             <a:avLst>
@@ -12721,8 +12721,8 @@
         </p:nvSpPr>
         <p:spPr>
           <a:xfrm rot="5400000">
-            <a:off x="6255396" y="2089061"/>
-            <a:ext cx="2112916" cy="1821480"/>
+            <a:off x="5067195" y="2361915"/>
+            <a:ext cx="1797639" cy="1614279"/>
           </a:xfrm>
           <a:prstGeom prst="hexagon">
             <a:avLst>
@@ -12788,8 +12788,8 @@
         </p:nvSpPr>
         <p:spPr>
           <a:xfrm rot="5400000">
-            <a:off x="6427716" y="2237616"/>
-            <a:ext cx="1768277" cy="1524374"/>
+            <a:off x="5213802" y="2493571"/>
+            <a:ext cx="1504425" cy="1350970"/>
           </a:xfrm>
           <a:prstGeom prst="hexagon">
             <a:avLst>
@@ -12850,8 +12850,8 @@
         </p:nvSpPr>
         <p:spPr>
           <a:xfrm rot="5400000">
-            <a:off x="9241251" y="2237616"/>
-            <a:ext cx="1768277" cy="1524374"/>
+            <a:off x="10156682" y="2477957"/>
+            <a:ext cx="1504425" cy="1350970"/>
           </a:xfrm>
           <a:prstGeom prst="hexagon">
             <a:avLst>
@@ -12912,8 +12912,8 @@
         </p:nvSpPr>
         <p:spPr>
           <a:xfrm rot="5400000">
-            <a:off x="8860156" y="2851574"/>
-            <a:ext cx="1302537" cy="296449"/>
+            <a:off x="9810680" y="3022075"/>
+            <a:ext cx="1108180" cy="262727"/>
           </a:xfrm>
           <a:custGeom>
             <a:avLst/>
@@ -13007,8 +13007,8 @@
         </p:nvSpPr>
         <p:spPr>
           <a:xfrm rot="16200000" flipH="1">
-            <a:off x="10088083" y="2851574"/>
-            <a:ext cx="1302537" cy="296449"/>
+            <a:off x="10898925" y="3022075"/>
+            <a:ext cx="1108180" cy="262727"/>
           </a:xfrm>
           <a:custGeom>
             <a:avLst/>
@@ -13102,8 +13102,8 @@
         </p:nvSpPr>
         <p:spPr>
           <a:xfrm rot="5400000">
-            <a:off x="6046621" y="2851574"/>
-            <a:ext cx="1302537" cy="296449"/>
+            <a:off x="4867801" y="3037689"/>
+            <a:ext cx="1108180" cy="262727"/>
           </a:xfrm>
           <a:custGeom>
             <a:avLst/>
@@ -13197,8 +13197,8 @@
         </p:nvSpPr>
         <p:spPr>
           <a:xfrm rot="16200000" flipH="1">
-            <a:off x="7274548" y="2851574"/>
-            <a:ext cx="1302537" cy="296449"/>
+            <a:off x="5956046" y="3037689"/>
+            <a:ext cx="1108180" cy="262727"/>
           </a:xfrm>
           <a:custGeom>
             <a:avLst/>
@@ -13292,8 +13292,8 @@
         </p:nvGrpSpPr>
         <p:grpSpPr>
           <a:xfrm>
-            <a:off x="6072558" y="4377162"/>
-            <a:ext cx="2478590" cy="707846"/>
+            <a:off x="4867693" y="4340894"/>
+            <a:ext cx="2196641" cy="602225"/>
             <a:chOff x="8402844" y="5208392"/>
             <a:chExt cx="1732804" cy="707846"/>
           </a:xfrm>
@@ -13399,7 +13399,7 @@
                 <a:buNone/>
               </a:pPr>
               <a:r>
-                <a:rPr lang="en-US" sz="2000" b="1" i="0" u="none" strike="noStrike" cap="none" dirty="0">
+                <a:rPr lang="en-US" sz="1600" b="1" i="0" u="none" strike="noStrike" cap="none" dirty="0">
                   <a:solidFill>
                     <a:srgbClr val="FFFFFF"/>
                   </a:solidFill>
@@ -13428,8 +13428,8 @@
         </p:nvSpPr>
         <p:spPr>
           <a:xfrm>
-            <a:off x="8822228" y="4348585"/>
-            <a:ext cx="2621831" cy="707846"/>
+            <a:off x="9753972" y="4300967"/>
+            <a:ext cx="2323587" cy="602225"/>
           </a:xfrm>
           <a:prstGeom prst="rect">
             <a:avLst/>
@@ -13455,14 +13455,397 @@
               <a:buNone/>
             </a:pPr>
             <a:r>
-              <a:rPr lang="en-US" sz="2000" b="1" dirty="0">
+              <a:rPr lang="en-US" sz="1600" b="1" dirty="0">
                 <a:solidFill>
                   <a:schemeClr val="tx1"/>
                 </a:solidFill>
               </a:rPr>
               <a:t>FUTURE IMPLEMENTATION</a:t>
             </a:r>
-            <a:endParaRPr lang="en-US" sz="2000" b="1" i="0" u="none" strike="noStrike" cap="none" dirty="0">
+            <a:endParaRPr lang="en-US" sz="1600" b="1" i="0" u="none" strike="noStrike" cap="none" dirty="0">
+              <a:solidFill>
+                <a:schemeClr val="tx1"/>
+              </a:solidFill>
+              <a:latin typeface="Arial"/>
+              <a:ea typeface="Arial"/>
+              <a:cs typeface="Arial"/>
+              <a:sym typeface="Arial"/>
+            </a:endParaRPr>
+          </a:p>
+        </p:txBody>
+      </p:sp>
+      <p:sp>
+        <p:nvSpPr>
+          <p:cNvPr id="2" name="Google Shape;659;p16">
+            <a:extLst>
+              <a:ext uri="{FF2B5EF4-FFF2-40B4-BE49-F238E27FC236}">
+                <a16:creationId xmlns:a16="http://schemas.microsoft.com/office/drawing/2014/main" id="{01B18665-FD28-6F89-AC99-FD6DF60156A9}"/>
+              </a:ext>
+            </a:extLst>
+          </p:cNvPr>
+          <p:cNvSpPr/>
+          <p:nvPr/>
+        </p:nvSpPr>
+        <p:spPr>
+          <a:xfrm rot="5400000">
+            <a:off x="7560679" y="2361916"/>
+            <a:ext cx="1797639" cy="1614279"/>
+          </a:xfrm>
+          <a:prstGeom prst="hexagon">
+            <a:avLst>
+              <a:gd name="adj" fmla="val 25000"/>
+              <a:gd name="vf" fmla="val 115470"/>
+            </a:avLst>
+          </a:prstGeom>
+          <a:solidFill>
+            <a:srgbClr val="0BF1F5">
+              <a:alpha val="40000"/>
+            </a:srgbClr>
+          </a:solidFill>
+          <a:ln>
+            <a:noFill/>
+          </a:ln>
+        </p:spPr>
+        <p:txBody>
+          <a:bodyPr spcFirstLastPara="1" wrap="square" lIns="91425" tIns="45700" rIns="91425" bIns="45700" anchor="ctr" anchorCtr="0">
+            <a:noAutofit/>
+          </a:bodyPr>
+          <a:lstStyle/>
+          <a:p>
+            <a:pPr marL="0" marR="0" lvl="0" indent="0" algn="ctr" rtl="0">
+              <a:lnSpc>
+                <a:spcPct val="100000"/>
+              </a:lnSpc>
+              <a:spcBef>
+                <a:spcPts val="0"/>
+              </a:spcBef>
+              <a:spcAft>
+                <a:spcPts val="0"/>
+              </a:spcAft>
+              <a:buClr>
+                <a:schemeClr val="lt1"/>
+              </a:buClr>
+              <a:buSzPts val="1800"/>
+              <a:buFont typeface="Arial"/>
+              <a:buNone/>
+            </a:pPr>
+            <a:endParaRPr sz="1800" b="0" i="0" u="none" strike="noStrike" cap="none">
+              <a:solidFill>
+                <a:srgbClr val="FFFFFF"/>
+              </a:solidFill>
+              <a:latin typeface="Arial"/>
+              <a:ea typeface="Arial"/>
+              <a:cs typeface="Arial"/>
+              <a:sym typeface="Arial"/>
+            </a:endParaRPr>
+          </a:p>
+        </p:txBody>
+      </p:sp>
+      <p:sp>
+        <p:nvSpPr>
+          <p:cNvPr id="3" name="Google Shape;663;p16">
+            <a:extLst>
+              <a:ext uri="{FF2B5EF4-FFF2-40B4-BE49-F238E27FC236}">
+                <a16:creationId xmlns:a16="http://schemas.microsoft.com/office/drawing/2014/main" id="{21EE91B9-E773-273F-7ACD-3422F7DDCAA8}"/>
+              </a:ext>
+            </a:extLst>
+          </p:cNvPr>
+          <p:cNvSpPr/>
+          <p:nvPr/>
+        </p:nvSpPr>
+        <p:spPr>
+          <a:xfrm rot="5400000">
+            <a:off x="7707287" y="2493572"/>
+            <a:ext cx="1504425" cy="1350970"/>
+          </a:xfrm>
+          <a:prstGeom prst="hexagon">
+            <a:avLst>
+              <a:gd name="adj" fmla="val 25000"/>
+              <a:gd name="vf" fmla="val 115470"/>
+            </a:avLst>
+          </a:prstGeom>
+          <a:blipFill rotWithShape="0">
+            <a:blip r:embed="rId4">
+              <a:alphaModFix/>
+            </a:blip>
+            <a:stretch>
+              <a:fillRect/>
+            </a:stretch>
+          </a:blipFill>
+          <a:ln>
+            <a:noFill/>
+          </a:ln>
+        </p:spPr>
+        <p:txBody>
+          <a:bodyPr spcFirstLastPara="1" wrap="square" lIns="91425" tIns="45700" rIns="91425" bIns="45700" anchor="ctr" anchorCtr="0">
+            <a:noAutofit/>
+          </a:bodyPr>
+          <a:lstStyle/>
+          <a:p>
+            <a:pPr marL="0" marR="0" lvl="0" indent="0" algn="ctr" rtl="0">
+              <a:spcBef>
+                <a:spcPts val="0"/>
+              </a:spcBef>
+              <a:spcAft>
+                <a:spcPts val="0"/>
+              </a:spcAft>
+              <a:buNone/>
+            </a:pPr>
+            <a:endParaRPr sz="1800" b="0" i="0" u="none" strike="noStrike" cap="none">
+              <a:solidFill>
+                <a:schemeClr val="lt1"/>
+              </a:solidFill>
+              <a:latin typeface="Arial"/>
+              <a:ea typeface="Arial"/>
+              <a:cs typeface="Arial"/>
+              <a:sym typeface="Arial"/>
+            </a:endParaRPr>
+          </a:p>
+        </p:txBody>
+      </p:sp>
+      <p:sp>
+        <p:nvSpPr>
+          <p:cNvPr id="4" name="Google Shape;665;p16">
+            <a:extLst>
+              <a:ext uri="{FF2B5EF4-FFF2-40B4-BE49-F238E27FC236}">
+                <a16:creationId xmlns:a16="http://schemas.microsoft.com/office/drawing/2014/main" id="{FF673508-DBC4-CC4D-D844-ADEF57436306}"/>
+              </a:ext>
+            </a:extLst>
+          </p:cNvPr>
+          <p:cNvSpPr/>
+          <p:nvPr/>
+        </p:nvSpPr>
+        <p:spPr>
+          <a:xfrm rot="5400000">
+            <a:off x="7361285" y="3037690"/>
+            <a:ext cx="1108180" cy="262727"/>
+          </a:xfrm>
+          <a:custGeom>
+            <a:avLst/>
+            <a:gdLst/>
+            <a:ahLst/>
+            <a:cxnLst/>
+            <a:rect l="l" t="t" r="r" b="b"/>
+            <a:pathLst>
+              <a:path w="906771" h="206375" extrusionOk="0">
+                <a:moveTo>
+                  <a:pt x="0" y="0"/>
+                </a:moveTo>
+                <a:lnTo>
+                  <a:pt x="34130" y="0"/>
+                </a:lnTo>
+                <a:lnTo>
+                  <a:pt x="122606" y="176952"/>
+                </a:lnTo>
+                <a:lnTo>
+                  <a:pt x="784163" y="176952"/>
+                </a:lnTo>
+                <a:lnTo>
+                  <a:pt x="872639" y="0"/>
+                </a:lnTo>
+                <a:lnTo>
+                  <a:pt x="906771" y="0"/>
+                </a:lnTo>
+                <a:lnTo>
+                  <a:pt x="803583" y="206375"/>
+                </a:lnTo>
+                <a:lnTo>
+                  <a:pt x="103187" y="206375"/>
+                </a:lnTo>
+                <a:close/>
+              </a:path>
+            </a:pathLst>
+          </a:custGeom>
+          <a:solidFill>
+            <a:srgbClr val="0BF1F5"/>
+          </a:solidFill>
+          <a:ln>
+            <a:noFill/>
+          </a:ln>
+        </p:spPr>
+        <p:txBody>
+          <a:bodyPr spcFirstLastPara="1" wrap="square" lIns="91425" tIns="45700" rIns="91425" bIns="45700" anchor="ctr" anchorCtr="0">
+            <a:noAutofit/>
+          </a:bodyPr>
+          <a:lstStyle/>
+          <a:p>
+            <a:pPr marL="0" marR="0" lvl="0" indent="0" algn="ctr" rtl="0">
+              <a:lnSpc>
+                <a:spcPct val="100000"/>
+              </a:lnSpc>
+              <a:spcBef>
+                <a:spcPts val="0"/>
+              </a:spcBef>
+              <a:spcAft>
+                <a:spcPts val="0"/>
+              </a:spcAft>
+              <a:buClr>
+                <a:schemeClr val="lt1"/>
+              </a:buClr>
+              <a:buSzPts val="1800"/>
+              <a:buFont typeface="Arial"/>
+              <a:buNone/>
+            </a:pPr>
+            <a:endParaRPr sz="1800" b="0" i="0" u="none" strike="noStrike" cap="none">
+              <a:solidFill>
+                <a:srgbClr val="FFFFFF"/>
+              </a:solidFill>
+              <a:latin typeface="Arial"/>
+              <a:ea typeface="Arial"/>
+              <a:cs typeface="Arial"/>
+              <a:sym typeface="Arial"/>
+            </a:endParaRPr>
+          </a:p>
+        </p:txBody>
+      </p:sp>
+      <p:sp>
+        <p:nvSpPr>
+          <p:cNvPr id="5" name="Google Shape;666;p16">
+            <a:extLst>
+              <a:ext uri="{FF2B5EF4-FFF2-40B4-BE49-F238E27FC236}">
+                <a16:creationId xmlns:a16="http://schemas.microsoft.com/office/drawing/2014/main" id="{37D88A28-887F-27F5-3796-2162AF8F59FC}"/>
+              </a:ext>
+            </a:extLst>
+          </p:cNvPr>
+          <p:cNvSpPr/>
+          <p:nvPr/>
+        </p:nvSpPr>
+        <p:spPr>
+          <a:xfrm rot="16200000" flipH="1">
+            <a:off x="8449531" y="3037690"/>
+            <a:ext cx="1108180" cy="262727"/>
+          </a:xfrm>
+          <a:custGeom>
+            <a:avLst/>
+            <a:gdLst/>
+            <a:ahLst/>
+            <a:cxnLst/>
+            <a:rect l="l" t="t" r="r" b="b"/>
+            <a:pathLst>
+              <a:path w="906771" h="206375" extrusionOk="0">
+                <a:moveTo>
+                  <a:pt x="0" y="0"/>
+                </a:moveTo>
+                <a:lnTo>
+                  <a:pt x="34130" y="0"/>
+                </a:lnTo>
+                <a:lnTo>
+                  <a:pt x="122606" y="176952"/>
+                </a:lnTo>
+                <a:lnTo>
+                  <a:pt x="784163" y="176952"/>
+                </a:lnTo>
+                <a:lnTo>
+                  <a:pt x="872639" y="0"/>
+                </a:lnTo>
+                <a:lnTo>
+                  <a:pt x="906771" y="0"/>
+                </a:lnTo>
+                <a:lnTo>
+                  <a:pt x="803583" y="206375"/>
+                </a:lnTo>
+                <a:lnTo>
+                  <a:pt x="103187" y="206375"/>
+                </a:lnTo>
+                <a:close/>
+              </a:path>
+            </a:pathLst>
+          </a:custGeom>
+          <a:solidFill>
+            <a:srgbClr val="0BF1F5"/>
+          </a:solidFill>
+          <a:ln>
+            <a:noFill/>
+          </a:ln>
+        </p:spPr>
+        <p:txBody>
+          <a:bodyPr spcFirstLastPara="1" wrap="square" lIns="91425" tIns="45700" rIns="91425" bIns="45700" anchor="ctr" anchorCtr="0">
+            <a:noAutofit/>
+          </a:bodyPr>
+          <a:lstStyle/>
+          <a:p>
+            <a:pPr marL="0" marR="0" lvl="0" indent="0" algn="ctr" rtl="0">
+              <a:lnSpc>
+                <a:spcPct val="100000"/>
+              </a:lnSpc>
+              <a:spcBef>
+                <a:spcPts val="0"/>
+              </a:spcBef>
+              <a:spcAft>
+                <a:spcPts val="0"/>
+              </a:spcAft>
+              <a:buClr>
+                <a:schemeClr val="lt1"/>
+              </a:buClr>
+              <a:buSzPts val="1800"/>
+              <a:buFont typeface="Arial"/>
+              <a:buNone/>
+            </a:pPr>
+            <a:endParaRPr sz="1800" b="0" i="0" u="none" strike="noStrike" cap="none">
+              <a:solidFill>
+                <a:srgbClr val="FFFFFF"/>
+              </a:solidFill>
+              <a:latin typeface="Arial"/>
+              <a:ea typeface="Arial"/>
+              <a:cs typeface="Arial"/>
+              <a:sym typeface="Arial"/>
+            </a:endParaRPr>
+          </a:p>
+        </p:txBody>
+      </p:sp>
+      <p:sp>
+        <p:nvSpPr>
+          <p:cNvPr id="6" name="Google Shape;677;p16">
+            <a:extLst>
+              <a:ext uri="{FF2B5EF4-FFF2-40B4-BE49-F238E27FC236}">
+                <a16:creationId xmlns:a16="http://schemas.microsoft.com/office/drawing/2014/main" id="{4BEA8E9F-5E9A-5C5C-1236-80FA76302B2E}"/>
+              </a:ext>
+            </a:extLst>
+          </p:cNvPr>
+          <p:cNvSpPr txBox="1"/>
+          <p:nvPr/>
+        </p:nvSpPr>
+        <p:spPr>
+          <a:xfrm>
+            <a:off x="7304578" y="4316582"/>
+            <a:ext cx="2323587" cy="584735"/>
+          </a:xfrm>
+          <a:prstGeom prst="rect">
+            <a:avLst/>
+          </a:prstGeom>
+          <a:noFill/>
+          <a:ln>
+            <a:noFill/>
+          </a:ln>
+        </p:spPr>
+        <p:txBody>
+          <a:bodyPr spcFirstLastPara="1" wrap="square" lIns="91425" tIns="45700" rIns="91425" bIns="45700" anchor="t" anchorCtr="0">
+            <a:spAutoFit/>
+          </a:bodyPr>
+          <a:lstStyle/>
+          <a:p>
+            <a:pPr marL="0" marR="0" lvl="0" indent="0" algn="ctr" rtl="0">
+              <a:spcBef>
+                <a:spcPts val="0"/>
+              </a:spcBef>
+              <a:spcAft>
+                <a:spcPts val="0"/>
+              </a:spcAft>
+              <a:buNone/>
+            </a:pPr>
+            <a:r>
+              <a:rPr lang="en-US" sz="1600" b="1" i="0" dirty="0">
+                <a:solidFill>
+                  <a:schemeClr val="tx1"/>
+                </a:solidFill>
+                <a:effectLst/>
+                <a:latin typeface="Arial" panose="020B0604020202020204" pitchFamily="34" charset="0"/>
+                <a:ea typeface="Arial" panose="020B0604020202020204" pitchFamily="34" charset="0"/>
+                <a:cs typeface="Arial" panose="020B0604020202020204" pitchFamily="34" charset="0"/>
+              </a:rPr>
+              <a:t>ADVICES FOR FUTURE</a:t>
+            </a:r>
+            <a:endParaRPr lang="en-US" sz="1600" b="1" i="0" u="none" strike="noStrike" cap="none" dirty="0">
               <a:solidFill>
                 <a:schemeClr val="tx1"/>
               </a:solidFill>
@@ -20797,7 +21180,7 @@
                   </a:schemeClr>
                 </a:solidFill>
               </a:rPr>
-              <a:t>: We used an I2C device to connect the LCD display, thereby reducing the number of pins needed. Additionally.</a:t>
+              <a:t>: We used an I2C device to connect the LCD display, thereby reducing the number of pins needed.</a:t>
             </a:r>
           </a:p>
         </p:txBody>
